--- a/Lab/poster.pptx
+++ b/Lab/poster.pptx
@@ -243,7 +243,7 @@
           <a:p>
             <a:fld id="{AACF1CD8-7D76-4BA6-9FA7-2FA0E557EBD4}" type="datetimeFigureOut">
               <a:rPr lang="zh-TW" altLang="en-US" smtClean="0"/>
-              <a:t>2020/12/21</a:t>
+              <a:t>2020/12/22</a:t>
             </a:fld>
             <a:endParaRPr lang="zh-TW" altLang="en-US"/>
           </a:p>
@@ -413,7 +413,7 @@
           <a:p>
             <a:fld id="{AACF1CD8-7D76-4BA6-9FA7-2FA0E557EBD4}" type="datetimeFigureOut">
               <a:rPr lang="zh-TW" altLang="en-US" smtClean="0"/>
-              <a:t>2020/12/21</a:t>
+              <a:t>2020/12/22</a:t>
             </a:fld>
             <a:endParaRPr lang="zh-TW" altLang="en-US"/>
           </a:p>
@@ -593,7 +593,7 @@
           <a:p>
             <a:fld id="{AACF1CD8-7D76-4BA6-9FA7-2FA0E557EBD4}" type="datetimeFigureOut">
               <a:rPr lang="zh-TW" altLang="en-US" smtClean="0"/>
-              <a:t>2020/12/21</a:t>
+              <a:t>2020/12/22</a:t>
             </a:fld>
             <a:endParaRPr lang="zh-TW" altLang="en-US"/>
           </a:p>
@@ -763,7 +763,7 @@
           <a:p>
             <a:fld id="{AACF1CD8-7D76-4BA6-9FA7-2FA0E557EBD4}" type="datetimeFigureOut">
               <a:rPr lang="zh-TW" altLang="en-US" smtClean="0"/>
-              <a:t>2020/12/21</a:t>
+              <a:t>2020/12/22</a:t>
             </a:fld>
             <a:endParaRPr lang="zh-TW" altLang="en-US"/>
           </a:p>
@@ -1007,7 +1007,7 @@
           <a:p>
             <a:fld id="{AACF1CD8-7D76-4BA6-9FA7-2FA0E557EBD4}" type="datetimeFigureOut">
               <a:rPr lang="zh-TW" altLang="en-US" smtClean="0"/>
-              <a:t>2020/12/21</a:t>
+              <a:t>2020/12/22</a:t>
             </a:fld>
             <a:endParaRPr lang="zh-TW" altLang="en-US"/>
           </a:p>
@@ -1239,7 +1239,7 @@
           <a:p>
             <a:fld id="{AACF1CD8-7D76-4BA6-9FA7-2FA0E557EBD4}" type="datetimeFigureOut">
               <a:rPr lang="zh-TW" altLang="en-US" smtClean="0"/>
-              <a:t>2020/12/21</a:t>
+              <a:t>2020/12/22</a:t>
             </a:fld>
             <a:endParaRPr lang="zh-TW" altLang="en-US"/>
           </a:p>
@@ -1606,7 +1606,7 @@
           <a:p>
             <a:fld id="{AACF1CD8-7D76-4BA6-9FA7-2FA0E557EBD4}" type="datetimeFigureOut">
               <a:rPr lang="zh-TW" altLang="en-US" smtClean="0"/>
-              <a:t>2020/12/21</a:t>
+              <a:t>2020/12/22</a:t>
             </a:fld>
             <a:endParaRPr lang="zh-TW" altLang="en-US"/>
           </a:p>
@@ -1724,7 +1724,7 @@
           <a:p>
             <a:fld id="{AACF1CD8-7D76-4BA6-9FA7-2FA0E557EBD4}" type="datetimeFigureOut">
               <a:rPr lang="zh-TW" altLang="en-US" smtClean="0"/>
-              <a:t>2020/12/21</a:t>
+              <a:t>2020/12/22</a:t>
             </a:fld>
             <a:endParaRPr lang="zh-TW" altLang="en-US"/>
           </a:p>
@@ -1819,7 +1819,7 @@
           <a:p>
             <a:fld id="{AACF1CD8-7D76-4BA6-9FA7-2FA0E557EBD4}" type="datetimeFigureOut">
               <a:rPr lang="zh-TW" altLang="en-US" smtClean="0"/>
-              <a:t>2020/12/21</a:t>
+              <a:t>2020/12/22</a:t>
             </a:fld>
             <a:endParaRPr lang="zh-TW" altLang="en-US"/>
           </a:p>
@@ -2096,7 +2096,7 @@
           <a:p>
             <a:fld id="{AACF1CD8-7D76-4BA6-9FA7-2FA0E557EBD4}" type="datetimeFigureOut">
               <a:rPr lang="zh-TW" altLang="en-US" smtClean="0"/>
-              <a:t>2020/12/21</a:t>
+              <a:t>2020/12/22</a:t>
             </a:fld>
             <a:endParaRPr lang="zh-TW" altLang="en-US"/>
           </a:p>
@@ -2353,7 +2353,7 @@
           <a:p>
             <a:fld id="{AACF1CD8-7D76-4BA6-9FA7-2FA0E557EBD4}" type="datetimeFigureOut">
               <a:rPr lang="zh-TW" altLang="en-US" smtClean="0"/>
-              <a:t>2020/12/21</a:t>
+              <a:t>2020/12/22</a:t>
             </a:fld>
             <a:endParaRPr lang="zh-TW" altLang="en-US"/>
           </a:p>
@@ -2566,7 +2566,7 @@
           <a:p>
             <a:fld id="{AACF1CD8-7D76-4BA6-9FA7-2FA0E557EBD4}" type="datetimeFigureOut">
               <a:rPr lang="zh-TW" altLang="en-US" smtClean="0"/>
-              <a:t>2020/12/21</a:t>
+              <a:t>2020/12/22</a:t>
             </a:fld>
             <a:endParaRPr lang="zh-TW" altLang="en-US"/>
           </a:p>
@@ -3905,7 +3905,7 @@
         </p:nvSpPr>
         <p:spPr>
           <a:xfrm>
-            <a:off x="-71579" y="28879800"/>
+            <a:off x="-35790" y="28900755"/>
             <a:ext cx="21671104" cy="1360488"/>
           </a:xfrm>
           <a:prstGeom prst="rect">
@@ -3949,6 +3949,35 @@
               </a:rPr>
               <a:t>中山醫學大學醫學資訊學系 專題編號</a:t>
             </a:r>
+            <a:r>
+              <a:rPr lang="en-US" altLang="zh-TW" sz="5000" dirty="0">
+                <a:solidFill>
+                  <a:schemeClr val="bg1"/>
+                </a:solidFill>
+                <a:latin typeface="標楷體" panose="03000509000000000000" pitchFamily="65" charset="-120"/>
+                <a:ea typeface="標楷體" panose="03000509000000000000" pitchFamily="65" charset="-120"/>
+              </a:rPr>
+              <a:t> </a:t>
+            </a:r>
+            <a:r>
+              <a:rPr lang="en-US" altLang="zh-TW" sz="5000" dirty="0">
+                <a:solidFill>
+                  <a:schemeClr val="bg1"/>
+                </a:solidFill>
+                <a:latin typeface="Times New Roman" panose="02020603050405020304" pitchFamily="18" charset="0"/>
+                <a:ea typeface="標楷體" panose="03000509000000000000" pitchFamily="65" charset="-120"/>
+                <a:cs typeface="Times New Roman" panose="02020603050405020304" pitchFamily="18" charset="0"/>
+              </a:rPr>
+              <a:t>PRJ2020-002</a:t>
+            </a:r>
+            <a:endParaRPr lang="zh-TW" altLang="en-US" sz="5000" dirty="0">
+              <a:solidFill>
+                <a:schemeClr val="bg1"/>
+              </a:solidFill>
+              <a:latin typeface="Times New Roman" panose="02020603050405020304" pitchFamily="18" charset="0"/>
+              <a:ea typeface="標楷體" panose="03000509000000000000" pitchFamily="65" charset="-120"/>
+              <a:cs typeface="Times New Roman" panose="02020603050405020304" pitchFamily="18" charset="0"/>
+            </a:endParaRPr>
           </a:p>
         </p:txBody>
       </p:sp>
@@ -4339,7 +4368,7 @@
         </p:nvSpPr>
         <p:spPr>
           <a:xfrm>
-            <a:off x="14915720" y="19858660"/>
+            <a:off x="14613107" y="19992844"/>
             <a:ext cx="3166251" cy="784830"/>
           </a:xfrm>
           <a:prstGeom prst="rect">
